--- a/개발 4팀 2차 미니 프로젝트/3) KOSMO_77기_개발 0팀_Unit_Test_보고서/최재우/3) KOSMO_77기_개발 4팀_Unit_Test_보고서.pptx
+++ b/개발 4팀 2차 미니 프로젝트/3) KOSMO_77기_개발 0팀_Unit_Test_보고서/최재우/3) KOSMO_77기_개발 4팀_Unit_Test_보고서.pptx
@@ -10,6 +10,10 @@
     <p:sldId id="258" r:id="rId4"/>
     <p:sldId id="260" r:id="rId5"/>
     <p:sldId id="259" r:id="rId6"/>
+    <p:sldId id="261" r:id="rId7"/>
+    <p:sldId id="262" r:id="rId8"/>
+    <p:sldId id="263" r:id="rId9"/>
+    <p:sldId id="264" r:id="rId10"/>
   </p:sldIdLst>
   <p:sldSz cx="9144000" cy="6858000" type="screen4x3"/>
   <p:notesSz cx="6858000" cy="9144000"/>
@@ -309,7 +313,7 @@
             <a:fld id="{3043414A-E12B-44ED-AF2F-470187DD60AF}" type="datetimeFigureOut">
               <a:rPr lang="ko-KR" altLang="en-US" smtClean="0"/>
               <a:pPr/>
-              <a:t>2021-04-20</a:t>
+              <a:t>2021-04-22</a:t>
             </a:fld>
             <a:endParaRPr lang="ko-KR" altLang="en-US"/>
           </a:p>
@@ -481,7 +485,7 @@
             <a:fld id="{3043414A-E12B-44ED-AF2F-470187DD60AF}" type="datetimeFigureOut">
               <a:rPr lang="ko-KR" altLang="en-US" smtClean="0"/>
               <a:pPr/>
-              <a:t>2021-04-20</a:t>
+              <a:t>2021-04-22</a:t>
             </a:fld>
             <a:endParaRPr lang="ko-KR" altLang="en-US"/>
           </a:p>
@@ -663,7 +667,7 @@
             <a:fld id="{3043414A-E12B-44ED-AF2F-470187DD60AF}" type="datetimeFigureOut">
               <a:rPr lang="ko-KR" altLang="en-US" smtClean="0"/>
               <a:pPr/>
-              <a:t>2021-04-20</a:t>
+              <a:t>2021-04-22</a:t>
             </a:fld>
             <a:endParaRPr lang="ko-KR" altLang="en-US"/>
           </a:p>
@@ -835,7 +839,7 @@
             <a:fld id="{3043414A-E12B-44ED-AF2F-470187DD60AF}" type="datetimeFigureOut">
               <a:rPr lang="ko-KR" altLang="en-US" smtClean="0"/>
               <a:pPr/>
-              <a:t>2021-04-20</a:t>
+              <a:t>2021-04-22</a:t>
             </a:fld>
             <a:endParaRPr lang="ko-KR" altLang="en-US"/>
           </a:p>
@@ -1083,7 +1087,7 @@
             <a:fld id="{3043414A-E12B-44ED-AF2F-470187DD60AF}" type="datetimeFigureOut">
               <a:rPr lang="ko-KR" altLang="en-US" smtClean="0"/>
               <a:pPr/>
-              <a:t>2021-04-20</a:t>
+              <a:t>2021-04-22</a:t>
             </a:fld>
             <a:endParaRPr lang="ko-KR" altLang="en-US"/>
           </a:p>
@@ -1373,7 +1377,7 @@
             <a:fld id="{3043414A-E12B-44ED-AF2F-470187DD60AF}" type="datetimeFigureOut">
               <a:rPr lang="ko-KR" altLang="en-US" smtClean="0"/>
               <a:pPr/>
-              <a:t>2021-04-20</a:t>
+              <a:t>2021-04-22</a:t>
             </a:fld>
             <a:endParaRPr lang="ko-KR" altLang="en-US"/>
           </a:p>
@@ -1797,7 +1801,7 @@
             <a:fld id="{3043414A-E12B-44ED-AF2F-470187DD60AF}" type="datetimeFigureOut">
               <a:rPr lang="ko-KR" altLang="en-US" smtClean="0"/>
               <a:pPr/>
-              <a:t>2021-04-20</a:t>
+              <a:t>2021-04-22</a:t>
             </a:fld>
             <a:endParaRPr lang="ko-KR" altLang="en-US"/>
           </a:p>
@@ -1917,7 +1921,7 @@
             <a:fld id="{3043414A-E12B-44ED-AF2F-470187DD60AF}" type="datetimeFigureOut">
               <a:rPr lang="ko-KR" altLang="en-US" smtClean="0"/>
               <a:pPr/>
-              <a:t>2021-04-20</a:t>
+              <a:t>2021-04-22</a:t>
             </a:fld>
             <a:endParaRPr lang="ko-KR" altLang="en-US"/>
           </a:p>
@@ -2014,7 +2018,7 @@
             <a:fld id="{3043414A-E12B-44ED-AF2F-470187DD60AF}" type="datetimeFigureOut">
               <a:rPr lang="ko-KR" altLang="en-US" smtClean="0"/>
               <a:pPr/>
-              <a:t>2021-04-20</a:t>
+              <a:t>2021-04-22</a:t>
             </a:fld>
             <a:endParaRPr lang="ko-KR" altLang="en-US"/>
           </a:p>
@@ -2293,7 +2297,7 @@
             <a:fld id="{3043414A-E12B-44ED-AF2F-470187DD60AF}" type="datetimeFigureOut">
               <a:rPr lang="ko-KR" altLang="en-US" smtClean="0"/>
               <a:pPr/>
-              <a:t>2021-04-20</a:t>
+              <a:t>2021-04-22</a:t>
             </a:fld>
             <a:endParaRPr lang="ko-KR" altLang="en-US"/>
           </a:p>
@@ -2548,7 +2552,7 @@
             <a:fld id="{3043414A-E12B-44ED-AF2F-470187DD60AF}" type="datetimeFigureOut">
               <a:rPr lang="ko-KR" altLang="en-US" smtClean="0"/>
               <a:pPr/>
-              <a:t>2021-04-20</a:t>
+              <a:t>2021-04-22</a:t>
             </a:fld>
             <a:endParaRPr lang="ko-KR" altLang="en-US"/>
           </a:p>
@@ -2763,7 +2767,7 @@
             <a:fld id="{3043414A-E12B-44ED-AF2F-470187DD60AF}" type="datetimeFigureOut">
               <a:rPr lang="ko-KR" altLang="en-US" smtClean="0"/>
               <a:pPr/>
-              <a:t>2021-04-20</a:t>
+              <a:t>2021-04-22</a:t>
             </a:fld>
             <a:endParaRPr lang="ko-KR" altLang="en-US"/>
           </a:p>
@@ -4173,11 +4177,7 @@
             </a:r>
             <a:r>
               <a:rPr lang="ko-KR" altLang="en-US" smtClean="0"/>
-              <a:t> </a:t>
-            </a:r>
-            <a:r>
-              <a:rPr lang="ko-KR" altLang="en-US" smtClean="0"/>
-              <a:t>기능을 수행</a:t>
+              <a:t> 기능을 수행</a:t>
             </a:r>
             <a:endParaRPr lang="ko-KR" altLang="en-US" dirty="0"/>
           </a:p>
@@ -6022,6 +6022,2388 @@
     <p:extLst>
       <p:ext uri="{BB962C8B-B14F-4D97-AF65-F5344CB8AC3E}">
         <p14:creationId xmlns:p14="http://schemas.microsoft.com/office/powerpoint/2010/main" val="2636009780"/>
+      </p:ext>
+    </p:extLst>
+  </p:cSld>
+  <p:clrMapOvr>
+    <a:masterClrMapping/>
+  </p:clrMapOvr>
+</p:sld>
+</file>
+
+<file path=ppt/slides/slide6.xml><?xml version="1.0" encoding="utf-8"?>
+<p:sld xmlns:a="http://schemas.openxmlformats.org/drawingml/2006/main" xmlns:r="http://schemas.openxmlformats.org/officeDocument/2006/relationships" xmlns:p="http://schemas.openxmlformats.org/presentationml/2006/main">
+  <p:cSld>
+    <p:spTree>
+      <p:nvGrpSpPr>
+        <p:cNvPr id="1" name=""/>
+        <p:cNvGrpSpPr/>
+        <p:nvPr/>
+      </p:nvGrpSpPr>
+      <p:grpSpPr>
+        <a:xfrm>
+          <a:off x="0" y="0"/>
+          <a:ext cx="0" cy="0"/>
+          <a:chOff x="0" y="0"/>
+          <a:chExt cx="0" cy="0"/>
+        </a:xfrm>
+      </p:grpSpPr>
+      <p:sp>
+        <p:nvSpPr>
+          <p:cNvPr id="4" name="직사각형 3"/>
+          <p:cNvSpPr/>
+          <p:nvPr/>
+        </p:nvSpPr>
+        <p:spPr>
+          <a:xfrm>
+            <a:off x="35496" y="44624"/>
+            <a:ext cx="3312368" cy="504056"/>
+          </a:xfrm>
+          <a:prstGeom prst="rect">
+            <a:avLst/>
+          </a:prstGeom>
+          <a:noFill/>
+        </p:spPr>
+        <p:style>
+          <a:lnRef idx="2">
+            <a:schemeClr val="accent1">
+              <a:shade val="50000"/>
+            </a:schemeClr>
+          </a:lnRef>
+          <a:fillRef idx="1">
+            <a:schemeClr val="accent1"/>
+          </a:fillRef>
+          <a:effectRef idx="0">
+            <a:schemeClr val="accent1"/>
+          </a:effectRef>
+          <a:fontRef idx="minor">
+            <a:schemeClr val="lt1"/>
+          </a:fontRef>
+        </p:style>
+        <p:txBody>
+          <a:bodyPr rtlCol="0" anchor="b"/>
+          <a:lstStyle/>
+          <a:p>
+            <a:pPr algn="ctr">
+              <a:lnSpc>
+                <a:spcPct val="150000"/>
+              </a:lnSpc>
+            </a:pPr>
+            <a:r>
+              <a:rPr lang="ko-KR" altLang="en-US" sz="2000" b="1" dirty="0" smtClean="0">
+                <a:solidFill>
+                  <a:schemeClr val="tx1"/>
+                </a:solidFill>
+              </a:rPr>
+              <a:t>주요 소스 </a:t>
+            </a:r>
+            <a:r>
+              <a:rPr lang="en-US" altLang="ko-KR" sz="2000" b="1" dirty="0" smtClean="0">
+                <a:solidFill>
+                  <a:schemeClr val="tx1"/>
+                </a:solidFill>
+              </a:rPr>
+              <a:t>[Code Review]</a:t>
+            </a:r>
+            <a:endParaRPr lang="ko-KR" altLang="en-US" sz="2000" b="1" dirty="0">
+              <a:solidFill>
+                <a:schemeClr val="tx1"/>
+              </a:solidFill>
+            </a:endParaRPr>
+          </a:p>
+        </p:txBody>
+      </p:sp>
+      <p:sp>
+        <p:nvSpPr>
+          <p:cNvPr id="5" name="직사각형 4"/>
+          <p:cNvSpPr/>
+          <p:nvPr/>
+        </p:nvSpPr>
+        <p:spPr>
+          <a:xfrm>
+            <a:off x="35496" y="620688"/>
+            <a:ext cx="3312368" cy="432048"/>
+          </a:xfrm>
+          <a:prstGeom prst="rect">
+            <a:avLst/>
+          </a:prstGeom>
+          <a:noFill/>
+        </p:spPr>
+        <p:style>
+          <a:lnRef idx="2">
+            <a:schemeClr val="accent1">
+              <a:shade val="50000"/>
+            </a:schemeClr>
+          </a:lnRef>
+          <a:fillRef idx="1">
+            <a:schemeClr val="accent1"/>
+          </a:fillRef>
+          <a:effectRef idx="0">
+            <a:schemeClr val="accent1"/>
+          </a:effectRef>
+          <a:fontRef idx="minor">
+            <a:schemeClr val="lt1"/>
+          </a:fontRef>
+        </p:style>
+        <p:txBody>
+          <a:bodyPr rtlCol="0" anchor="b"/>
+          <a:lstStyle/>
+          <a:p>
+            <a:pPr algn="ctr">
+              <a:lnSpc>
+                <a:spcPct val="150000"/>
+              </a:lnSpc>
+            </a:pPr>
+            <a:r>
+              <a:rPr lang="en-US" altLang="ko-KR" sz="2000" b="1" dirty="0" err="1">
+                <a:solidFill>
+                  <a:schemeClr val="tx1"/>
+                </a:solidFill>
+              </a:rPr>
+              <a:t>updatePwd.jsp</a:t>
+            </a:r>
+            <a:endParaRPr lang="ko-KR" altLang="en-US" sz="2000" b="1" dirty="0">
+              <a:solidFill>
+                <a:schemeClr val="tx1"/>
+              </a:solidFill>
+            </a:endParaRPr>
+          </a:p>
+        </p:txBody>
+      </p:sp>
+      <p:cxnSp>
+        <p:nvCxnSpPr>
+          <p:cNvPr id="7" name="직선 연결선 6"/>
+          <p:cNvCxnSpPr/>
+          <p:nvPr/>
+        </p:nvCxnSpPr>
+        <p:spPr>
+          <a:xfrm>
+            <a:off x="3491880" y="1052736"/>
+            <a:ext cx="5544616" cy="0"/>
+          </a:xfrm>
+          <a:prstGeom prst="line">
+            <a:avLst/>
+          </a:prstGeom>
+          <a:ln w="28575"/>
+        </p:spPr>
+        <p:style>
+          <a:lnRef idx="1">
+            <a:schemeClr val="accent1"/>
+          </a:lnRef>
+          <a:fillRef idx="0">
+            <a:schemeClr val="accent1"/>
+          </a:fillRef>
+          <a:effectRef idx="0">
+            <a:schemeClr val="accent1"/>
+          </a:effectRef>
+          <a:fontRef idx="minor">
+            <a:schemeClr val="tx1"/>
+          </a:fontRef>
+        </p:style>
+      </p:cxnSp>
+      <p:cxnSp>
+        <p:nvCxnSpPr>
+          <p:cNvPr id="11" name="직선 연결선 10"/>
+          <p:cNvCxnSpPr/>
+          <p:nvPr/>
+        </p:nvCxnSpPr>
+        <p:spPr>
+          <a:xfrm>
+            <a:off x="35496" y="1205136"/>
+            <a:ext cx="9001000" cy="0"/>
+          </a:xfrm>
+          <a:prstGeom prst="line">
+            <a:avLst/>
+          </a:prstGeom>
+          <a:ln w="28575"/>
+        </p:spPr>
+        <p:style>
+          <a:lnRef idx="1">
+            <a:schemeClr val="accent1"/>
+          </a:lnRef>
+          <a:fillRef idx="0">
+            <a:schemeClr val="accent1"/>
+          </a:fillRef>
+          <a:effectRef idx="0">
+            <a:schemeClr val="accent1"/>
+          </a:effectRef>
+          <a:fontRef idx="minor">
+            <a:schemeClr val="tx1"/>
+          </a:fontRef>
+        </p:style>
+      </p:cxnSp>
+      <p:cxnSp>
+        <p:nvCxnSpPr>
+          <p:cNvPr id="14" name="직선 연결선 13"/>
+          <p:cNvCxnSpPr/>
+          <p:nvPr/>
+        </p:nvCxnSpPr>
+        <p:spPr>
+          <a:xfrm>
+            <a:off x="35496" y="6741368"/>
+            <a:ext cx="9001000" cy="0"/>
+          </a:xfrm>
+          <a:prstGeom prst="line">
+            <a:avLst/>
+          </a:prstGeom>
+          <a:ln w="28575"/>
+        </p:spPr>
+        <p:style>
+          <a:lnRef idx="1">
+            <a:schemeClr val="accent1"/>
+          </a:lnRef>
+          <a:fillRef idx="0">
+            <a:schemeClr val="accent1"/>
+          </a:fillRef>
+          <a:effectRef idx="0">
+            <a:schemeClr val="accent1"/>
+          </a:effectRef>
+          <a:fontRef idx="minor">
+            <a:schemeClr val="tx1"/>
+          </a:fontRef>
+        </p:style>
+      </p:cxnSp>
+      <p:cxnSp>
+        <p:nvCxnSpPr>
+          <p:cNvPr id="15" name="직선 연결선 14"/>
+          <p:cNvCxnSpPr/>
+          <p:nvPr/>
+        </p:nvCxnSpPr>
+        <p:spPr>
+          <a:xfrm>
+            <a:off x="35496" y="1196752"/>
+            <a:ext cx="0" cy="5544616"/>
+          </a:xfrm>
+          <a:prstGeom prst="line">
+            <a:avLst/>
+          </a:prstGeom>
+          <a:ln w="28575"/>
+        </p:spPr>
+        <p:style>
+          <a:lnRef idx="1">
+            <a:schemeClr val="accent1"/>
+          </a:lnRef>
+          <a:fillRef idx="0">
+            <a:schemeClr val="accent1"/>
+          </a:fillRef>
+          <a:effectRef idx="0">
+            <a:schemeClr val="accent1"/>
+          </a:effectRef>
+          <a:fontRef idx="minor">
+            <a:schemeClr val="tx1"/>
+          </a:fontRef>
+        </p:style>
+      </p:cxnSp>
+      <p:cxnSp>
+        <p:nvCxnSpPr>
+          <p:cNvPr id="19" name="직선 연결선 18"/>
+          <p:cNvCxnSpPr/>
+          <p:nvPr/>
+        </p:nvCxnSpPr>
+        <p:spPr>
+          <a:xfrm>
+            <a:off x="9036496" y="1205136"/>
+            <a:ext cx="0" cy="5544616"/>
+          </a:xfrm>
+          <a:prstGeom prst="line">
+            <a:avLst/>
+          </a:prstGeom>
+          <a:ln w="28575"/>
+        </p:spPr>
+        <p:style>
+          <a:lnRef idx="1">
+            <a:schemeClr val="accent1"/>
+          </a:lnRef>
+          <a:fillRef idx="0">
+            <a:schemeClr val="accent1"/>
+          </a:fillRef>
+          <a:effectRef idx="0">
+            <a:schemeClr val="accent1"/>
+          </a:effectRef>
+          <a:fontRef idx="minor">
+            <a:schemeClr val="tx1"/>
+          </a:fontRef>
+        </p:style>
+      </p:cxnSp>
+      <p:cxnSp>
+        <p:nvCxnSpPr>
+          <p:cNvPr id="20" name="직선 연결선 19"/>
+          <p:cNvCxnSpPr/>
+          <p:nvPr/>
+        </p:nvCxnSpPr>
+        <p:spPr>
+          <a:xfrm>
+            <a:off x="4572000" y="1205136"/>
+            <a:ext cx="0" cy="5544616"/>
+          </a:xfrm>
+          <a:prstGeom prst="line">
+            <a:avLst/>
+          </a:prstGeom>
+          <a:ln w="28575"/>
+        </p:spPr>
+        <p:style>
+          <a:lnRef idx="1">
+            <a:schemeClr val="accent1"/>
+          </a:lnRef>
+          <a:fillRef idx="0">
+            <a:schemeClr val="accent1"/>
+          </a:fillRef>
+          <a:effectRef idx="0">
+            <a:schemeClr val="accent1"/>
+          </a:effectRef>
+          <a:fontRef idx="minor">
+            <a:schemeClr val="tx1"/>
+          </a:fontRef>
+        </p:style>
+      </p:cxnSp>
+      <p:cxnSp>
+        <p:nvCxnSpPr>
+          <p:cNvPr id="21" name="직선 연결선 20"/>
+          <p:cNvCxnSpPr/>
+          <p:nvPr/>
+        </p:nvCxnSpPr>
+        <p:spPr>
+          <a:xfrm>
+            <a:off x="9036496" y="4869160"/>
+            <a:ext cx="0" cy="0"/>
+          </a:xfrm>
+          <a:prstGeom prst="line">
+            <a:avLst/>
+          </a:prstGeom>
+          <a:ln w="28575"/>
+        </p:spPr>
+        <p:style>
+          <a:lnRef idx="1">
+            <a:schemeClr val="accent1"/>
+          </a:lnRef>
+          <a:fillRef idx="0">
+            <a:schemeClr val="accent1"/>
+          </a:fillRef>
+          <a:effectRef idx="0">
+            <a:schemeClr val="accent1"/>
+          </a:effectRef>
+          <a:fontRef idx="minor">
+            <a:schemeClr val="tx1"/>
+          </a:fontRef>
+        </p:style>
+      </p:cxnSp>
+      <p:cxnSp>
+        <p:nvCxnSpPr>
+          <p:cNvPr id="28" name="직선 연결선 27"/>
+          <p:cNvCxnSpPr/>
+          <p:nvPr/>
+        </p:nvCxnSpPr>
+        <p:spPr>
+          <a:xfrm>
+            <a:off x="4572000" y="4725144"/>
+            <a:ext cx="4464496" cy="0"/>
+          </a:xfrm>
+          <a:prstGeom prst="line">
+            <a:avLst/>
+          </a:prstGeom>
+          <a:ln w="28575"/>
+        </p:spPr>
+        <p:style>
+          <a:lnRef idx="1">
+            <a:schemeClr val="accent1"/>
+          </a:lnRef>
+          <a:fillRef idx="0">
+            <a:schemeClr val="accent1"/>
+          </a:fillRef>
+          <a:effectRef idx="0">
+            <a:schemeClr val="accent1"/>
+          </a:effectRef>
+          <a:fontRef idx="minor">
+            <a:schemeClr val="tx1"/>
+          </a:fontRef>
+        </p:style>
+      </p:cxnSp>
+      <p:sp>
+        <p:nvSpPr>
+          <p:cNvPr id="32" name="TextBox 31"/>
+          <p:cNvSpPr txBox="1"/>
+          <p:nvPr/>
+        </p:nvSpPr>
+        <p:spPr>
+          <a:xfrm>
+            <a:off x="4626704" y="4797152"/>
+            <a:ext cx="3926139" cy="923330"/>
+          </a:xfrm>
+          <a:prstGeom prst="rect">
+            <a:avLst/>
+          </a:prstGeom>
+          <a:noFill/>
+        </p:spPr>
+        <p:txBody>
+          <a:bodyPr wrap="none" rtlCol="0">
+            <a:spAutoFit/>
+          </a:bodyPr>
+          <a:lstStyle/>
+          <a:p>
+            <a:r>
+              <a:rPr lang="ko-KR" altLang="en-US" dirty="0" smtClean="0"/>
+              <a:t>비밀번호변경을 </a:t>
+            </a:r>
+            <a:r>
+              <a:rPr lang="ko-KR" altLang="en-US" dirty="0" err="1" smtClean="0"/>
+              <a:t>눌렀을시</a:t>
+            </a:r>
+            <a:r>
+              <a:rPr lang="ko-KR" altLang="en-US" dirty="0" smtClean="0"/>
+              <a:t> </a:t>
+            </a:r>
+            <a:r>
+              <a:rPr lang="ko-KR" altLang="en-US" dirty="0" err="1" smtClean="0"/>
+              <a:t>나타는</a:t>
+            </a:r>
+            <a:r>
+              <a:rPr lang="ko-KR" altLang="en-US" dirty="0" smtClean="0"/>
+              <a:t> </a:t>
+            </a:r>
+            <a:endParaRPr lang="en-US" altLang="ko-KR" dirty="0" smtClean="0"/>
+          </a:p>
+          <a:p>
+            <a:r>
+              <a:rPr lang="ko-KR" altLang="en-US" dirty="0" smtClean="0"/>
+              <a:t>화면으로 </a:t>
+            </a:r>
+            <a:r>
+              <a:rPr lang="en-US" altLang="ko-KR" dirty="0" smtClean="0"/>
+              <a:t>updatePwd.do</a:t>
+            </a:r>
+            <a:r>
+              <a:rPr lang="ko-KR" altLang="en-US" dirty="0" smtClean="0"/>
+              <a:t>를 실행시켜</a:t>
+            </a:r>
+            <a:endParaRPr lang="en-US" altLang="ko-KR" dirty="0" smtClean="0"/>
+          </a:p>
+          <a:p>
+            <a:r>
+              <a:rPr lang="ko-KR" altLang="en-US" dirty="0" smtClean="0"/>
+              <a:t>암호 변경하도록 한다</a:t>
+            </a:r>
+            <a:endParaRPr lang="en-US" altLang="ko-KR" dirty="0" smtClean="0"/>
+          </a:p>
+        </p:txBody>
+      </p:sp>
+      <p:sp>
+        <p:nvSpPr>
+          <p:cNvPr id="18" name="직사각형 17"/>
+          <p:cNvSpPr/>
+          <p:nvPr/>
+        </p:nvSpPr>
+        <p:spPr>
+          <a:xfrm>
+            <a:off x="3563888" y="44624"/>
+            <a:ext cx="2808312" cy="504056"/>
+          </a:xfrm>
+          <a:prstGeom prst="rect">
+            <a:avLst/>
+          </a:prstGeom>
+          <a:noFill/>
+        </p:spPr>
+        <p:style>
+          <a:lnRef idx="2">
+            <a:schemeClr val="accent1">
+              <a:shade val="50000"/>
+            </a:schemeClr>
+          </a:lnRef>
+          <a:fillRef idx="1">
+            <a:schemeClr val="accent1"/>
+          </a:fillRef>
+          <a:effectRef idx="0">
+            <a:schemeClr val="accent1"/>
+          </a:effectRef>
+          <a:fontRef idx="minor">
+            <a:schemeClr val="lt1"/>
+          </a:fontRef>
+        </p:style>
+        <p:txBody>
+          <a:bodyPr rtlCol="0" anchor="ctr"/>
+          <a:lstStyle/>
+          <a:p>
+            <a:pPr algn="ctr">
+              <a:lnSpc>
+                <a:spcPct val="150000"/>
+              </a:lnSpc>
+            </a:pPr>
+            <a:r>
+              <a:rPr lang="en-US" altLang="ko-KR" sz="2000" b="1" dirty="0" err="1">
+                <a:solidFill>
+                  <a:schemeClr val="tx1"/>
+                </a:solidFill>
+              </a:rPr>
+              <a:t>Sql</a:t>
+            </a:r>
+            <a:r>
+              <a:rPr lang="en-US" altLang="ko-KR" sz="2000" b="1" dirty="0">
+                <a:solidFill>
+                  <a:schemeClr val="tx1"/>
+                </a:solidFill>
+              </a:rPr>
+              <a:t>, xml</a:t>
+            </a:r>
+          </a:p>
+        </p:txBody>
+      </p:sp>
+      <p:pic>
+        <p:nvPicPr>
+          <p:cNvPr id="2" name="그림 1"/>
+          <p:cNvPicPr>
+            <a:picLocks noChangeAspect="1"/>
+          </p:cNvPicPr>
+          <p:nvPr/>
+        </p:nvPicPr>
+        <p:blipFill>
+          <a:blip r:embed="rId2">
+            <a:extLst>
+              <a:ext uri="{28A0092B-C50C-407E-A947-70E740481C1C}">
+                <a14:useLocalDpi xmlns:a14="http://schemas.microsoft.com/office/drawing/2010/main" val="0"/>
+              </a:ext>
+            </a:extLst>
+          </a:blip>
+          <a:stretch>
+            <a:fillRect/>
+          </a:stretch>
+        </p:blipFill>
+        <p:spPr>
+          <a:xfrm>
+            <a:off x="107504" y="1349153"/>
+            <a:ext cx="4393985" cy="4067743"/>
+          </a:xfrm>
+          <a:prstGeom prst="rect">
+            <a:avLst/>
+          </a:prstGeom>
+        </p:spPr>
+      </p:pic>
+      <p:pic>
+        <p:nvPicPr>
+          <p:cNvPr id="3" name="그림 2"/>
+          <p:cNvPicPr>
+            <a:picLocks noChangeAspect="1"/>
+          </p:cNvPicPr>
+          <p:nvPr/>
+        </p:nvPicPr>
+        <p:blipFill>
+          <a:blip r:embed="rId3">
+            <a:extLst>
+              <a:ext uri="{28A0092B-C50C-407E-A947-70E740481C1C}">
+                <a14:useLocalDpi xmlns:a14="http://schemas.microsoft.com/office/drawing/2010/main" val="0"/>
+              </a:ext>
+            </a:extLst>
+          </a:blip>
+          <a:stretch>
+            <a:fillRect/>
+          </a:stretch>
+        </p:blipFill>
+        <p:spPr>
+          <a:xfrm>
+            <a:off x="5570589" y="1586484"/>
+            <a:ext cx="2467319" cy="2829320"/>
+          </a:xfrm>
+          <a:prstGeom prst="rect">
+            <a:avLst/>
+          </a:prstGeom>
+        </p:spPr>
+      </p:pic>
+    </p:spTree>
+    <p:extLst>
+      <p:ext uri="{BB962C8B-B14F-4D97-AF65-F5344CB8AC3E}">
+        <p14:creationId xmlns:p14="http://schemas.microsoft.com/office/powerpoint/2010/main" val="3799512989"/>
+      </p:ext>
+    </p:extLst>
+  </p:cSld>
+  <p:clrMapOvr>
+    <a:masterClrMapping/>
+  </p:clrMapOvr>
+</p:sld>
+</file>
+
+<file path=ppt/slides/slide7.xml><?xml version="1.0" encoding="utf-8"?>
+<p:sld xmlns:a="http://schemas.openxmlformats.org/drawingml/2006/main" xmlns:r="http://schemas.openxmlformats.org/officeDocument/2006/relationships" xmlns:p="http://schemas.openxmlformats.org/presentationml/2006/main">
+  <p:cSld>
+    <p:spTree>
+      <p:nvGrpSpPr>
+        <p:cNvPr id="1" name=""/>
+        <p:cNvGrpSpPr/>
+        <p:nvPr/>
+      </p:nvGrpSpPr>
+      <p:grpSpPr>
+        <a:xfrm>
+          <a:off x="0" y="0"/>
+          <a:ext cx="0" cy="0"/>
+          <a:chOff x="0" y="0"/>
+          <a:chExt cx="0" cy="0"/>
+        </a:xfrm>
+      </p:grpSpPr>
+      <p:sp>
+        <p:nvSpPr>
+          <p:cNvPr id="4" name="직사각형 3"/>
+          <p:cNvSpPr/>
+          <p:nvPr/>
+        </p:nvSpPr>
+        <p:spPr>
+          <a:xfrm>
+            <a:off x="35496" y="44624"/>
+            <a:ext cx="3312368" cy="504056"/>
+          </a:xfrm>
+          <a:prstGeom prst="rect">
+            <a:avLst/>
+          </a:prstGeom>
+          <a:noFill/>
+        </p:spPr>
+        <p:style>
+          <a:lnRef idx="2">
+            <a:schemeClr val="accent1">
+              <a:shade val="50000"/>
+            </a:schemeClr>
+          </a:lnRef>
+          <a:fillRef idx="1">
+            <a:schemeClr val="accent1"/>
+          </a:fillRef>
+          <a:effectRef idx="0">
+            <a:schemeClr val="accent1"/>
+          </a:effectRef>
+          <a:fontRef idx="minor">
+            <a:schemeClr val="lt1"/>
+          </a:fontRef>
+        </p:style>
+        <p:txBody>
+          <a:bodyPr rtlCol="0" anchor="b"/>
+          <a:lstStyle/>
+          <a:p>
+            <a:pPr algn="ctr">
+              <a:lnSpc>
+                <a:spcPct val="150000"/>
+              </a:lnSpc>
+            </a:pPr>
+            <a:r>
+              <a:rPr lang="ko-KR" altLang="en-US" sz="2000" b="1" dirty="0" smtClean="0">
+                <a:solidFill>
+                  <a:schemeClr val="tx1"/>
+                </a:solidFill>
+              </a:rPr>
+              <a:t>주요 소스 </a:t>
+            </a:r>
+            <a:r>
+              <a:rPr lang="en-US" altLang="ko-KR" sz="2000" b="1" dirty="0" smtClean="0">
+                <a:solidFill>
+                  <a:schemeClr val="tx1"/>
+                </a:solidFill>
+              </a:rPr>
+              <a:t>[Code Review]</a:t>
+            </a:r>
+            <a:endParaRPr lang="ko-KR" altLang="en-US" sz="2000" b="1" dirty="0">
+              <a:solidFill>
+                <a:schemeClr val="tx1"/>
+              </a:solidFill>
+            </a:endParaRPr>
+          </a:p>
+        </p:txBody>
+      </p:sp>
+      <p:sp>
+        <p:nvSpPr>
+          <p:cNvPr id="5" name="직사각형 4"/>
+          <p:cNvSpPr/>
+          <p:nvPr/>
+        </p:nvSpPr>
+        <p:spPr>
+          <a:xfrm>
+            <a:off x="35496" y="620688"/>
+            <a:ext cx="3312368" cy="432048"/>
+          </a:xfrm>
+          <a:prstGeom prst="rect">
+            <a:avLst/>
+          </a:prstGeom>
+          <a:noFill/>
+        </p:spPr>
+        <p:style>
+          <a:lnRef idx="2">
+            <a:schemeClr val="accent1">
+              <a:shade val="50000"/>
+            </a:schemeClr>
+          </a:lnRef>
+          <a:fillRef idx="1">
+            <a:schemeClr val="accent1"/>
+          </a:fillRef>
+          <a:effectRef idx="0">
+            <a:schemeClr val="accent1"/>
+          </a:effectRef>
+          <a:fontRef idx="minor">
+            <a:schemeClr val="lt1"/>
+          </a:fontRef>
+        </p:style>
+        <p:txBody>
+          <a:bodyPr rtlCol="0" anchor="b"/>
+          <a:lstStyle/>
+          <a:p>
+            <a:pPr algn="ctr">
+              <a:lnSpc>
+                <a:spcPct val="150000"/>
+              </a:lnSpc>
+            </a:pPr>
+            <a:r>
+              <a:rPr lang="en-US" altLang="ko-KR" sz="2000" b="1" dirty="0">
+                <a:solidFill>
+                  <a:schemeClr val="tx1"/>
+                </a:solidFill>
+              </a:rPr>
+              <a:t>BoardController.java</a:t>
+            </a:r>
+            <a:endParaRPr lang="ko-KR" altLang="en-US" sz="2000" b="1" dirty="0">
+              <a:solidFill>
+                <a:schemeClr val="tx1"/>
+              </a:solidFill>
+            </a:endParaRPr>
+          </a:p>
+        </p:txBody>
+      </p:sp>
+      <p:cxnSp>
+        <p:nvCxnSpPr>
+          <p:cNvPr id="7" name="직선 연결선 6"/>
+          <p:cNvCxnSpPr/>
+          <p:nvPr/>
+        </p:nvCxnSpPr>
+        <p:spPr>
+          <a:xfrm>
+            <a:off x="3491880" y="1052736"/>
+            <a:ext cx="5544616" cy="0"/>
+          </a:xfrm>
+          <a:prstGeom prst="line">
+            <a:avLst/>
+          </a:prstGeom>
+          <a:ln w="28575"/>
+        </p:spPr>
+        <p:style>
+          <a:lnRef idx="1">
+            <a:schemeClr val="accent1"/>
+          </a:lnRef>
+          <a:fillRef idx="0">
+            <a:schemeClr val="accent1"/>
+          </a:fillRef>
+          <a:effectRef idx="0">
+            <a:schemeClr val="accent1"/>
+          </a:effectRef>
+          <a:fontRef idx="minor">
+            <a:schemeClr val="tx1"/>
+          </a:fontRef>
+        </p:style>
+      </p:cxnSp>
+      <p:cxnSp>
+        <p:nvCxnSpPr>
+          <p:cNvPr id="11" name="직선 연결선 10"/>
+          <p:cNvCxnSpPr/>
+          <p:nvPr/>
+        </p:nvCxnSpPr>
+        <p:spPr>
+          <a:xfrm>
+            <a:off x="35496" y="1205136"/>
+            <a:ext cx="9001000" cy="0"/>
+          </a:xfrm>
+          <a:prstGeom prst="line">
+            <a:avLst/>
+          </a:prstGeom>
+          <a:ln w="28575"/>
+        </p:spPr>
+        <p:style>
+          <a:lnRef idx="1">
+            <a:schemeClr val="accent1"/>
+          </a:lnRef>
+          <a:fillRef idx="0">
+            <a:schemeClr val="accent1"/>
+          </a:fillRef>
+          <a:effectRef idx="0">
+            <a:schemeClr val="accent1"/>
+          </a:effectRef>
+          <a:fontRef idx="minor">
+            <a:schemeClr val="tx1"/>
+          </a:fontRef>
+        </p:style>
+      </p:cxnSp>
+      <p:cxnSp>
+        <p:nvCxnSpPr>
+          <p:cNvPr id="14" name="직선 연결선 13"/>
+          <p:cNvCxnSpPr/>
+          <p:nvPr/>
+        </p:nvCxnSpPr>
+        <p:spPr>
+          <a:xfrm>
+            <a:off x="35496" y="6741368"/>
+            <a:ext cx="9001000" cy="0"/>
+          </a:xfrm>
+          <a:prstGeom prst="line">
+            <a:avLst/>
+          </a:prstGeom>
+          <a:ln w="28575"/>
+        </p:spPr>
+        <p:style>
+          <a:lnRef idx="1">
+            <a:schemeClr val="accent1"/>
+          </a:lnRef>
+          <a:fillRef idx="0">
+            <a:schemeClr val="accent1"/>
+          </a:fillRef>
+          <a:effectRef idx="0">
+            <a:schemeClr val="accent1"/>
+          </a:effectRef>
+          <a:fontRef idx="minor">
+            <a:schemeClr val="tx1"/>
+          </a:fontRef>
+        </p:style>
+      </p:cxnSp>
+      <p:cxnSp>
+        <p:nvCxnSpPr>
+          <p:cNvPr id="15" name="직선 연결선 14"/>
+          <p:cNvCxnSpPr/>
+          <p:nvPr/>
+        </p:nvCxnSpPr>
+        <p:spPr>
+          <a:xfrm>
+            <a:off x="35496" y="1196752"/>
+            <a:ext cx="0" cy="5544616"/>
+          </a:xfrm>
+          <a:prstGeom prst="line">
+            <a:avLst/>
+          </a:prstGeom>
+          <a:ln w="28575"/>
+        </p:spPr>
+        <p:style>
+          <a:lnRef idx="1">
+            <a:schemeClr val="accent1"/>
+          </a:lnRef>
+          <a:fillRef idx="0">
+            <a:schemeClr val="accent1"/>
+          </a:fillRef>
+          <a:effectRef idx="0">
+            <a:schemeClr val="accent1"/>
+          </a:effectRef>
+          <a:fontRef idx="minor">
+            <a:schemeClr val="tx1"/>
+          </a:fontRef>
+        </p:style>
+      </p:cxnSp>
+      <p:cxnSp>
+        <p:nvCxnSpPr>
+          <p:cNvPr id="19" name="직선 연결선 18"/>
+          <p:cNvCxnSpPr/>
+          <p:nvPr/>
+        </p:nvCxnSpPr>
+        <p:spPr>
+          <a:xfrm>
+            <a:off x="9036496" y="1205136"/>
+            <a:ext cx="0" cy="5544616"/>
+          </a:xfrm>
+          <a:prstGeom prst="line">
+            <a:avLst/>
+          </a:prstGeom>
+          <a:ln w="28575"/>
+        </p:spPr>
+        <p:style>
+          <a:lnRef idx="1">
+            <a:schemeClr val="accent1"/>
+          </a:lnRef>
+          <a:fillRef idx="0">
+            <a:schemeClr val="accent1"/>
+          </a:fillRef>
+          <a:effectRef idx="0">
+            <a:schemeClr val="accent1"/>
+          </a:effectRef>
+          <a:fontRef idx="minor">
+            <a:schemeClr val="tx1"/>
+          </a:fontRef>
+        </p:style>
+      </p:cxnSp>
+      <p:cxnSp>
+        <p:nvCxnSpPr>
+          <p:cNvPr id="20" name="직선 연결선 19"/>
+          <p:cNvCxnSpPr/>
+          <p:nvPr/>
+        </p:nvCxnSpPr>
+        <p:spPr>
+          <a:xfrm>
+            <a:off x="4572000" y="1205136"/>
+            <a:ext cx="0" cy="5544616"/>
+          </a:xfrm>
+          <a:prstGeom prst="line">
+            <a:avLst/>
+          </a:prstGeom>
+          <a:ln w="28575"/>
+        </p:spPr>
+        <p:style>
+          <a:lnRef idx="1">
+            <a:schemeClr val="accent1"/>
+          </a:lnRef>
+          <a:fillRef idx="0">
+            <a:schemeClr val="accent1"/>
+          </a:fillRef>
+          <a:effectRef idx="0">
+            <a:schemeClr val="accent1"/>
+          </a:effectRef>
+          <a:fontRef idx="minor">
+            <a:schemeClr val="tx1"/>
+          </a:fontRef>
+        </p:style>
+      </p:cxnSp>
+      <p:cxnSp>
+        <p:nvCxnSpPr>
+          <p:cNvPr id="21" name="직선 연결선 20"/>
+          <p:cNvCxnSpPr/>
+          <p:nvPr/>
+        </p:nvCxnSpPr>
+        <p:spPr>
+          <a:xfrm>
+            <a:off x="9036496" y="4869160"/>
+            <a:ext cx="0" cy="0"/>
+          </a:xfrm>
+          <a:prstGeom prst="line">
+            <a:avLst/>
+          </a:prstGeom>
+          <a:ln w="28575"/>
+        </p:spPr>
+        <p:style>
+          <a:lnRef idx="1">
+            <a:schemeClr val="accent1"/>
+          </a:lnRef>
+          <a:fillRef idx="0">
+            <a:schemeClr val="accent1"/>
+          </a:fillRef>
+          <a:effectRef idx="0">
+            <a:schemeClr val="accent1"/>
+          </a:effectRef>
+          <a:fontRef idx="minor">
+            <a:schemeClr val="tx1"/>
+          </a:fontRef>
+        </p:style>
+      </p:cxnSp>
+      <p:cxnSp>
+        <p:nvCxnSpPr>
+          <p:cNvPr id="28" name="직선 연결선 27"/>
+          <p:cNvCxnSpPr/>
+          <p:nvPr/>
+        </p:nvCxnSpPr>
+        <p:spPr>
+          <a:xfrm>
+            <a:off x="4572000" y="4725144"/>
+            <a:ext cx="4464496" cy="0"/>
+          </a:xfrm>
+          <a:prstGeom prst="line">
+            <a:avLst/>
+          </a:prstGeom>
+          <a:ln w="28575"/>
+        </p:spPr>
+        <p:style>
+          <a:lnRef idx="1">
+            <a:schemeClr val="accent1"/>
+          </a:lnRef>
+          <a:fillRef idx="0">
+            <a:schemeClr val="accent1"/>
+          </a:fillRef>
+          <a:effectRef idx="0">
+            <a:schemeClr val="accent1"/>
+          </a:effectRef>
+          <a:fontRef idx="minor">
+            <a:schemeClr val="tx1"/>
+          </a:fontRef>
+        </p:style>
+      </p:cxnSp>
+      <p:sp>
+        <p:nvSpPr>
+          <p:cNvPr id="32" name="TextBox 31"/>
+          <p:cNvSpPr txBox="1"/>
+          <p:nvPr/>
+        </p:nvSpPr>
+        <p:spPr>
+          <a:xfrm>
+            <a:off x="4626704" y="4797152"/>
+            <a:ext cx="4156972" cy="923330"/>
+          </a:xfrm>
+          <a:prstGeom prst="rect">
+            <a:avLst/>
+          </a:prstGeom>
+          <a:noFill/>
+        </p:spPr>
+        <p:txBody>
+          <a:bodyPr wrap="none" rtlCol="0">
+            <a:spAutoFit/>
+          </a:bodyPr>
+          <a:lstStyle/>
+          <a:p>
+            <a:r>
+              <a:rPr lang="en-US" altLang="ko-KR" dirty="0" smtClean="0"/>
+              <a:t>updatePwd.do</a:t>
+            </a:r>
+            <a:r>
+              <a:rPr lang="ko-KR" altLang="en-US" dirty="0" smtClean="0"/>
+              <a:t>로 불러와지면 컨트롤러</a:t>
+            </a:r>
+            <a:endParaRPr lang="en-US" altLang="ko-KR" dirty="0" smtClean="0"/>
+          </a:p>
+          <a:p>
+            <a:r>
+              <a:rPr lang="ko-KR" altLang="en-US" dirty="0" smtClean="0"/>
+              <a:t>에서 </a:t>
+            </a:r>
+            <a:r>
+              <a:rPr lang="en-US" altLang="ko-KR" dirty="0" err="1" smtClean="0"/>
+              <a:t>UserVo</a:t>
+            </a:r>
+            <a:r>
+              <a:rPr lang="ko-KR" altLang="en-US" dirty="0" smtClean="0"/>
+              <a:t>와 </a:t>
+            </a:r>
+            <a:r>
+              <a:rPr lang="en-US" altLang="ko-KR" dirty="0" err="1" smtClean="0"/>
+              <a:t>UserDAO</a:t>
+            </a:r>
+            <a:r>
+              <a:rPr lang="ko-KR" altLang="en-US" dirty="0" smtClean="0"/>
+              <a:t>를 거쳐</a:t>
+            </a:r>
+            <a:endParaRPr lang="en-US" altLang="ko-KR" dirty="0" smtClean="0"/>
+          </a:p>
+          <a:p>
+            <a:r>
+              <a:rPr lang="ko-KR" altLang="en-US" dirty="0" err="1" smtClean="0"/>
+              <a:t>메소드를</a:t>
+            </a:r>
+            <a:r>
+              <a:rPr lang="ko-KR" altLang="en-US" dirty="0" smtClean="0"/>
+              <a:t> 실행시켜 결과를 내보냄</a:t>
+            </a:r>
+            <a:endParaRPr lang="en-US" altLang="ko-KR" dirty="0" smtClean="0"/>
+          </a:p>
+        </p:txBody>
+      </p:sp>
+      <p:sp>
+        <p:nvSpPr>
+          <p:cNvPr id="18" name="직사각형 17"/>
+          <p:cNvSpPr/>
+          <p:nvPr/>
+        </p:nvSpPr>
+        <p:spPr>
+          <a:xfrm>
+            <a:off x="3563888" y="44624"/>
+            <a:ext cx="2808312" cy="504056"/>
+          </a:xfrm>
+          <a:prstGeom prst="rect">
+            <a:avLst/>
+          </a:prstGeom>
+          <a:noFill/>
+        </p:spPr>
+        <p:style>
+          <a:lnRef idx="2">
+            <a:schemeClr val="accent1">
+              <a:shade val="50000"/>
+            </a:schemeClr>
+          </a:lnRef>
+          <a:fillRef idx="1">
+            <a:schemeClr val="accent1"/>
+          </a:fillRef>
+          <a:effectRef idx="0">
+            <a:schemeClr val="accent1"/>
+          </a:effectRef>
+          <a:fontRef idx="minor">
+            <a:schemeClr val="lt1"/>
+          </a:fontRef>
+        </p:style>
+        <p:txBody>
+          <a:bodyPr rtlCol="0" anchor="ctr"/>
+          <a:lstStyle/>
+          <a:p>
+            <a:pPr algn="ctr">
+              <a:lnSpc>
+                <a:spcPct val="150000"/>
+              </a:lnSpc>
+            </a:pPr>
+            <a:r>
+              <a:rPr lang="en-US" altLang="ko-KR" sz="2000" b="1" dirty="0" err="1">
+                <a:solidFill>
+                  <a:schemeClr val="tx1"/>
+                </a:solidFill>
+              </a:rPr>
+              <a:t>Sql</a:t>
+            </a:r>
+            <a:r>
+              <a:rPr lang="en-US" altLang="ko-KR" sz="2000" b="1" dirty="0">
+                <a:solidFill>
+                  <a:schemeClr val="tx1"/>
+                </a:solidFill>
+              </a:rPr>
+              <a:t>, xml</a:t>
+            </a:r>
+          </a:p>
+        </p:txBody>
+      </p:sp>
+      <p:pic>
+        <p:nvPicPr>
+          <p:cNvPr id="6" name="그림 5"/>
+          <p:cNvPicPr>
+            <a:picLocks noChangeAspect="1"/>
+          </p:cNvPicPr>
+          <p:nvPr/>
+        </p:nvPicPr>
+        <p:blipFill>
+          <a:blip r:embed="rId2">
+            <a:extLst>
+              <a:ext uri="{28A0092B-C50C-407E-A947-70E740481C1C}">
+                <a14:useLocalDpi xmlns:a14="http://schemas.microsoft.com/office/drawing/2010/main" val="0"/>
+              </a:ext>
+            </a:extLst>
+          </a:blip>
+          <a:stretch>
+            <a:fillRect/>
+          </a:stretch>
+        </p:blipFill>
+        <p:spPr>
+          <a:xfrm>
+            <a:off x="99967" y="1357536"/>
+            <a:ext cx="4436029" cy="3105583"/>
+          </a:xfrm>
+          <a:prstGeom prst="rect">
+            <a:avLst/>
+          </a:prstGeom>
+        </p:spPr>
+      </p:pic>
+      <p:pic>
+        <p:nvPicPr>
+          <p:cNvPr id="8" name="그림 7"/>
+          <p:cNvPicPr>
+            <a:picLocks noChangeAspect="1"/>
+          </p:cNvPicPr>
+          <p:nvPr/>
+        </p:nvPicPr>
+        <p:blipFill>
+          <a:blip r:embed="rId3">
+            <a:extLst>
+              <a:ext uri="{28A0092B-C50C-407E-A947-70E740481C1C}">
+                <a14:useLocalDpi xmlns:a14="http://schemas.microsoft.com/office/drawing/2010/main" val="0"/>
+              </a:ext>
+            </a:extLst>
+          </a:blip>
+          <a:stretch>
+            <a:fillRect/>
+          </a:stretch>
+        </p:blipFill>
+        <p:spPr>
+          <a:xfrm>
+            <a:off x="5459139" y="1729230"/>
+            <a:ext cx="2715004" cy="2248214"/>
+          </a:xfrm>
+          <a:prstGeom prst="rect">
+            <a:avLst/>
+          </a:prstGeom>
+        </p:spPr>
+      </p:pic>
+    </p:spTree>
+    <p:extLst>
+      <p:ext uri="{BB962C8B-B14F-4D97-AF65-F5344CB8AC3E}">
+        <p14:creationId xmlns:p14="http://schemas.microsoft.com/office/powerpoint/2010/main" val="1071037637"/>
+      </p:ext>
+    </p:extLst>
+  </p:cSld>
+  <p:clrMapOvr>
+    <a:masterClrMapping/>
+  </p:clrMapOvr>
+</p:sld>
+</file>
+
+<file path=ppt/slides/slide8.xml><?xml version="1.0" encoding="utf-8"?>
+<p:sld xmlns:a="http://schemas.openxmlformats.org/drawingml/2006/main" xmlns:r="http://schemas.openxmlformats.org/officeDocument/2006/relationships" xmlns:p="http://schemas.openxmlformats.org/presentationml/2006/main">
+  <p:cSld>
+    <p:spTree>
+      <p:nvGrpSpPr>
+        <p:cNvPr id="1" name=""/>
+        <p:cNvGrpSpPr/>
+        <p:nvPr/>
+      </p:nvGrpSpPr>
+      <p:grpSpPr>
+        <a:xfrm>
+          <a:off x="0" y="0"/>
+          <a:ext cx="0" cy="0"/>
+          <a:chOff x="0" y="0"/>
+          <a:chExt cx="0" cy="0"/>
+        </a:xfrm>
+      </p:grpSpPr>
+      <p:sp>
+        <p:nvSpPr>
+          <p:cNvPr id="4" name="직사각형 3"/>
+          <p:cNvSpPr/>
+          <p:nvPr/>
+        </p:nvSpPr>
+        <p:spPr>
+          <a:xfrm>
+            <a:off x="35496" y="44624"/>
+            <a:ext cx="3312368" cy="504056"/>
+          </a:xfrm>
+          <a:prstGeom prst="rect">
+            <a:avLst/>
+          </a:prstGeom>
+          <a:noFill/>
+        </p:spPr>
+        <p:style>
+          <a:lnRef idx="2">
+            <a:schemeClr val="accent1">
+              <a:shade val="50000"/>
+            </a:schemeClr>
+          </a:lnRef>
+          <a:fillRef idx="1">
+            <a:schemeClr val="accent1"/>
+          </a:fillRef>
+          <a:effectRef idx="0">
+            <a:schemeClr val="accent1"/>
+          </a:effectRef>
+          <a:fontRef idx="minor">
+            <a:schemeClr val="lt1"/>
+          </a:fontRef>
+        </p:style>
+        <p:txBody>
+          <a:bodyPr rtlCol="0" anchor="b"/>
+          <a:lstStyle/>
+          <a:p>
+            <a:pPr algn="ctr">
+              <a:lnSpc>
+                <a:spcPct val="150000"/>
+              </a:lnSpc>
+            </a:pPr>
+            <a:r>
+              <a:rPr lang="ko-KR" altLang="en-US" sz="2000" b="1" dirty="0" smtClean="0">
+                <a:solidFill>
+                  <a:schemeClr val="tx1"/>
+                </a:solidFill>
+              </a:rPr>
+              <a:t>주요 소스 </a:t>
+            </a:r>
+            <a:r>
+              <a:rPr lang="en-US" altLang="ko-KR" sz="2000" b="1" dirty="0" smtClean="0">
+                <a:solidFill>
+                  <a:schemeClr val="tx1"/>
+                </a:solidFill>
+              </a:rPr>
+              <a:t>[Code Review]</a:t>
+            </a:r>
+            <a:endParaRPr lang="ko-KR" altLang="en-US" sz="2000" b="1" dirty="0">
+              <a:solidFill>
+                <a:schemeClr val="tx1"/>
+              </a:solidFill>
+            </a:endParaRPr>
+          </a:p>
+        </p:txBody>
+      </p:sp>
+      <p:sp>
+        <p:nvSpPr>
+          <p:cNvPr id="5" name="직사각형 4"/>
+          <p:cNvSpPr/>
+          <p:nvPr/>
+        </p:nvSpPr>
+        <p:spPr>
+          <a:xfrm>
+            <a:off x="35496" y="620688"/>
+            <a:ext cx="3312368" cy="432048"/>
+          </a:xfrm>
+          <a:prstGeom prst="rect">
+            <a:avLst/>
+          </a:prstGeom>
+          <a:noFill/>
+        </p:spPr>
+        <p:style>
+          <a:lnRef idx="2">
+            <a:schemeClr val="accent1">
+              <a:shade val="50000"/>
+            </a:schemeClr>
+          </a:lnRef>
+          <a:fillRef idx="1">
+            <a:schemeClr val="accent1"/>
+          </a:fillRef>
+          <a:effectRef idx="0">
+            <a:schemeClr val="accent1"/>
+          </a:effectRef>
+          <a:fontRef idx="minor">
+            <a:schemeClr val="lt1"/>
+          </a:fontRef>
+        </p:style>
+        <p:txBody>
+          <a:bodyPr rtlCol="0" anchor="b"/>
+          <a:lstStyle/>
+          <a:p>
+            <a:pPr algn="ctr">
+              <a:lnSpc>
+                <a:spcPct val="150000"/>
+              </a:lnSpc>
+            </a:pPr>
+            <a:r>
+              <a:rPr lang="en-US" altLang="ko-KR" sz="2000" b="1" dirty="0">
+                <a:solidFill>
+                  <a:schemeClr val="tx1"/>
+                </a:solidFill>
+              </a:rPr>
+              <a:t>UserService.java</a:t>
+            </a:r>
+            <a:endParaRPr lang="ko-KR" altLang="en-US" sz="2000" b="1" dirty="0">
+              <a:solidFill>
+                <a:schemeClr val="tx1"/>
+              </a:solidFill>
+            </a:endParaRPr>
+          </a:p>
+        </p:txBody>
+      </p:sp>
+      <p:cxnSp>
+        <p:nvCxnSpPr>
+          <p:cNvPr id="7" name="직선 연결선 6"/>
+          <p:cNvCxnSpPr/>
+          <p:nvPr/>
+        </p:nvCxnSpPr>
+        <p:spPr>
+          <a:xfrm>
+            <a:off x="3491880" y="1052736"/>
+            <a:ext cx="5544616" cy="0"/>
+          </a:xfrm>
+          <a:prstGeom prst="line">
+            <a:avLst/>
+          </a:prstGeom>
+          <a:ln w="28575"/>
+        </p:spPr>
+        <p:style>
+          <a:lnRef idx="1">
+            <a:schemeClr val="accent1"/>
+          </a:lnRef>
+          <a:fillRef idx="0">
+            <a:schemeClr val="accent1"/>
+          </a:fillRef>
+          <a:effectRef idx="0">
+            <a:schemeClr val="accent1"/>
+          </a:effectRef>
+          <a:fontRef idx="minor">
+            <a:schemeClr val="tx1"/>
+          </a:fontRef>
+        </p:style>
+      </p:cxnSp>
+      <p:cxnSp>
+        <p:nvCxnSpPr>
+          <p:cNvPr id="11" name="직선 연결선 10"/>
+          <p:cNvCxnSpPr/>
+          <p:nvPr/>
+        </p:nvCxnSpPr>
+        <p:spPr>
+          <a:xfrm>
+            <a:off x="35496" y="1205136"/>
+            <a:ext cx="9001000" cy="0"/>
+          </a:xfrm>
+          <a:prstGeom prst="line">
+            <a:avLst/>
+          </a:prstGeom>
+          <a:ln w="28575"/>
+        </p:spPr>
+        <p:style>
+          <a:lnRef idx="1">
+            <a:schemeClr val="accent1"/>
+          </a:lnRef>
+          <a:fillRef idx="0">
+            <a:schemeClr val="accent1"/>
+          </a:fillRef>
+          <a:effectRef idx="0">
+            <a:schemeClr val="accent1"/>
+          </a:effectRef>
+          <a:fontRef idx="minor">
+            <a:schemeClr val="tx1"/>
+          </a:fontRef>
+        </p:style>
+      </p:cxnSp>
+      <p:cxnSp>
+        <p:nvCxnSpPr>
+          <p:cNvPr id="14" name="직선 연결선 13"/>
+          <p:cNvCxnSpPr/>
+          <p:nvPr/>
+        </p:nvCxnSpPr>
+        <p:spPr>
+          <a:xfrm>
+            <a:off x="35496" y="6741368"/>
+            <a:ext cx="9001000" cy="0"/>
+          </a:xfrm>
+          <a:prstGeom prst="line">
+            <a:avLst/>
+          </a:prstGeom>
+          <a:ln w="28575"/>
+        </p:spPr>
+        <p:style>
+          <a:lnRef idx="1">
+            <a:schemeClr val="accent1"/>
+          </a:lnRef>
+          <a:fillRef idx="0">
+            <a:schemeClr val="accent1"/>
+          </a:fillRef>
+          <a:effectRef idx="0">
+            <a:schemeClr val="accent1"/>
+          </a:effectRef>
+          <a:fontRef idx="minor">
+            <a:schemeClr val="tx1"/>
+          </a:fontRef>
+        </p:style>
+      </p:cxnSp>
+      <p:cxnSp>
+        <p:nvCxnSpPr>
+          <p:cNvPr id="15" name="직선 연결선 14"/>
+          <p:cNvCxnSpPr/>
+          <p:nvPr/>
+        </p:nvCxnSpPr>
+        <p:spPr>
+          <a:xfrm>
+            <a:off x="35496" y="1196752"/>
+            <a:ext cx="0" cy="5544616"/>
+          </a:xfrm>
+          <a:prstGeom prst="line">
+            <a:avLst/>
+          </a:prstGeom>
+          <a:ln w="28575"/>
+        </p:spPr>
+        <p:style>
+          <a:lnRef idx="1">
+            <a:schemeClr val="accent1"/>
+          </a:lnRef>
+          <a:fillRef idx="0">
+            <a:schemeClr val="accent1"/>
+          </a:fillRef>
+          <a:effectRef idx="0">
+            <a:schemeClr val="accent1"/>
+          </a:effectRef>
+          <a:fontRef idx="minor">
+            <a:schemeClr val="tx1"/>
+          </a:fontRef>
+        </p:style>
+      </p:cxnSp>
+      <p:cxnSp>
+        <p:nvCxnSpPr>
+          <p:cNvPr id="19" name="직선 연결선 18"/>
+          <p:cNvCxnSpPr/>
+          <p:nvPr/>
+        </p:nvCxnSpPr>
+        <p:spPr>
+          <a:xfrm>
+            <a:off x="9036496" y="1205136"/>
+            <a:ext cx="0" cy="5544616"/>
+          </a:xfrm>
+          <a:prstGeom prst="line">
+            <a:avLst/>
+          </a:prstGeom>
+          <a:ln w="28575"/>
+        </p:spPr>
+        <p:style>
+          <a:lnRef idx="1">
+            <a:schemeClr val="accent1"/>
+          </a:lnRef>
+          <a:fillRef idx="0">
+            <a:schemeClr val="accent1"/>
+          </a:fillRef>
+          <a:effectRef idx="0">
+            <a:schemeClr val="accent1"/>
+          </a:effectRef>
+          <a:fontRef idx="minor">
+            <a:schemeClr val="tx1"/>
+          </a:fontRef>
+        </p:style>
+      </p:cxnSp>
+      <p:cxnSp>
+        <p:nvCxnSpPr>
+          <p:cNvPr id="20" name="직선 연결선 19"/>
+          <p:cNvCxnSpPr/>
+          <p:nvPr/>
+        </p:nvCxnSpPr>
+        <p:spPr>
+          <a:xfrm>
+            <a:off x="4572000" y="1205136"/>
+            <a:ext cx="0" cy="5544616"/>
+          </a:xfrm>
+          <a:prstGeom prst="line">
+            <a:avLst/>
+          </a:prstGeom>
+          <a:ln w="28575"/>
+        </p:spPr>
+        <p:style>
+          <a:lnRef idx="1">
+            <a:schemeClr val="accent1"/>
+          </a:lnRef>
+          <a:fillRef idx="0">
+            <a:schemeClr val="accent1"/>
+          </a:fillRef>
+          <a:effectRef idx="0">
+            <a:schemeClr val="accent1"/>
+          </a:effectRef>
+          <a:fontRef idx="minor">
+            <a:schemeClr val="tx1"/>
+          </a:fontRef>
+        </p:style>
+      </p:cxnSp>
+      <p:cxnSp>
+        <p:nvCxnSpPr>
+          <p:cNvPr id="21" name="직선 연결선 20"/>
+          <p:cNvCxnSpPr/>
+          <p:nvPr/>
+        </p:nvCxnSpPr>
+        <p:spPr>
+          <a:xfrm>
+            <a:off x="9036496" y="4869160"/>
+            <a:ext cx="0" cy="0"/>
+          </a:xfrm>
+          <a:prstGeom prst="line">
+            <a:avLst/>
+          </a:prstGeom>
+          <a:ln w="28575"/>
+        </p:spPr>
+        <p:style>
+          <a:lnRef idx="1">
+            <a:schemeClr val="accent1"/>
+          </a:lnRef>
+          <a:fillRef idx="0">
+            <a:schemeClr val="accent1"/>
+          </a:fillRef>
+          <a:effectRef idx="0">
+            <a:schemeClr val="accent1"/>
+          </a:effectRef>
+          <a:fontRef idx="minor">
+            <a:schemeClr val="tx1"/>
+          </a:fontRef>
+        </p:style>
+      </p:cxnSp>
+      <p:cxnSp>
+        <p:nvCxnSpPr>
+          <p:cNvPr id="28" name="직선 연결선 27"/>
+          <p:cNvCxnSpPr/>
+          <p:nvPr/>
+        </p:nvCxnSpPr>
+        <p:spPr>
+          <a:xfrm>
+            <a:off x="4572000" y="4725144"/>
+            <a:ext cx="4464496" cy="0"/>
+          </a:xfrm>
+          <a:prstGeom prst="line">
+            <a:avLst/>
+          </a:prstGeom>
+          <a:ln w="28575"/>
+        </p:spPr>
+        <p:style>
+          <a:lnRef idx="1">
+            <a:schemeClr val="accent1"/>
+          </a:lnRef>
+          <a:fillRef idx="0">
+            <a:schemeClr val="accent1"/>
+          </a:fillRef>
+          <a:effectRef idx="0">
+            <a:schemeClr val="accent1"/>
+          </a:effectRef>
+          <a:fontRef idx="minor">
+            <a:schemeClr val="tx1"/>
+          </a:fontRef>
+        </p:style>
+      </p:cxnSp>
+      <p:sp>
+        <p:nvSpPr>
+          <p:cNvPr id="32" name="TextBox 31"/>
+          <p:cNvSpPr txBox="1"/>
+          <p:nvPr/>
+        </p:nvSpPr>
+        <p:spPr>
+          <a:xfrm>
+            <a:off x="4626704" y="4797152"/>
+            <a:ext cx="4150623" cy="923330"/>
+          </a:xfrm>
+          <a:prstGeom prst="rect">
+            <a:avLst/>
+          </a:prstGeom>
+          <a:noFill/>
+        </p:spPr>
+        <p:txBody>
+          <a:bodyPr wrap="none" rtlCol="0">
+            <a:spAutoFit/>
+          </a:bodyPr>
+          <a:lstStyle/>
+          <a:p>
+            <a:r>
+              <a:rPr lang="en-US" altLang="ko-KR" dirty="0" smtClean="0"/>
+              <a:t>CRUD</a:t>
+            </a:r>
+            <a:r>
+              <a:rPr lang="ko-KR" altLang="en-US" dirty="0" smtClean="0"/>
+              <a:t>기능의 </a:t>
+            </a:r>
+            <a:r>
+              <a:rPr lang="ko-KR" altLang="en-US" dirty="0" err="1" smtClean="0"/>
+              <a:t>메소드</a:t>
+            </a:r>
+            <a:r>
+              <a:rPr lang="ko-KR" altLang="en-US" dirty="0" smtClean="0"/>
+              <a:t> 구현을 </a:t>
+            </a:r>
+            <a:r>
+              <a:rPr lang="ko-KR" altLang="en-US" dirty="0" err="1" smtClean="0"/>
+              <a:t>하기전</a:t>
+            </a:r>
+            <a:endParaRPr lang="en-US" altLang="ko-KR" dirty="0" smtClean="0"/>
+          </a:p>
+          <a:p>
+            <a:r>
+              <a:rPr lang="en-US" altLang="ko-KR" dirty="0" smtClean="0"/>
+              <a:t>USERVO</a:t>
+            </a:r>
+            <a:r>
+              <a:rPr lang="ko-KR" altLang="en-US" dirty="0" smtClean="0"/>
+              <a:t>에 사용자의 정보를 </a:t>
+            </a:r>
+            <a:r>
+              <a:rPr lang="ko-KR" altLang="en-US" dirty="0" err="1" smtClean="0"/>
+              <a:t>받아올수</a:t>
+            </a:r>
+            <a:r>
+              <a:rPr lang="ko-KR" altLang="en-US" dirty="0" smtClean="0"/>
+              <a:t> </a:t>
+            </a:r>
+            <a:endParaRPr lang="en-US" altLang="ko-KR" dirty="0" smtClean="0"/>
+          </a:p>
+          <a:p>
+            <a:r>
+              <a:rPr lang="ko-KR" altLang="en-US" dirty="0" smtClean="0"/>
+              <a:t>있게 사전 준비</a:t>
+            </a:r>
+            <a:endParaRPr lang="en-US" altLang="ko-KR" dirty="0" smtClean="0"/>
+          </a:p>
+        </p:txBody>
+      </p:sp>
+      <p:sp>
+        <p:nvSpPr>
+          <p:cNvPr id="18" name="직사각형 17"/>
+          <p:cNvSpPr/>
+          <p:nvPr/>
+        </p:nvSpPr>
+        <p:spPr>
+          <a:xfrm>
+            <a:off x="3563888" y="44624"/>
+            <a:ext cx="2808312" cy="504056"/>
+          </a:xfrm>
+          <a:prstGeom prst="rect">
+            <a:avLst/>
+          </a:prstGeom>
+          <a:noFill/>
+        </p:spPr>
+        <p:style>
+          <a:lnRef idx="2">
+            <a:schemeClr val="accent1">
+              <a:shade val="50000"/>
+            </a:schemeClr>
+          </a:lnRef>
+          <a:fillRef idx="1">
+            <a:schemeClr val="accent1"/>
+          </a:fillRef>
+          <a:effectRef idx="0">
+            <a:schemeClr val="accent1"/>
+          </a:effectRef>
+          <a:fontRef idx="minor">
+            <a:schemeClr val="lt1"/>
+          </a:fontRef>
+        </p:style>
+        <p:txBody>
+          <a:bodyPr rtlCol="0" anchor="ctr"/>
+          <a:lstStyle/>
+          <a:p>
+            <a:pPr algn="ctr">
+              <a:lnSpc>
+                <a:spcPct val="150000"/>
+              </a:lnSpc>
+            </a:pPr>
+            <a:r>
+              <a:rPr lang="en-US" altLang="ko-KR" sz="2000" b="1" dirty="0" err="1">
+                <a:solidFill>
+                  <a:schemeClr val="tx1"/>
+                </a:solidFill>
+              </a:rPr>
+              <a:t>Sql</a:t>
+            </a:r>
+            <a:r>
+              <a:rPr lang="en-US" altLang="ko-KR" sz="2000" b="1" dirty="0">
+                <a:solidFill>
+                  <a:schemeClr val="tx1"/>
+                </a:solidFill>
+              </a:rPr>
+              <a:t>, xml</a:t>
+            </a:r>
+          </a:p>
+        </p:txBody>
+      </p:sp>
+      <p:pic>
+        <p:nvPicPr>
+          <p:cNvPr id="2" name="그림 1"/>
+          <p:cNvPicPr>
+            <a:picLocks noChangeAspect="1"/>
+          </p:cNvPicPr>
+          <p:nvPr/>
+        </p:nvPicPr>
+        <p:blipFill>
+          <a:blip r:embed="rId2">
+            <a:extLst>
+              <a:ext uri="{28A0092B-C50C-407E-A947-70E740481C1C}">
+                <a14:useLocalDpi xmlns:a14="http://schemas.microsoft.com/office/drawing/2010/main" val="0"/>
+              </a:ext>
+            </a:extLst>
+          </a:blip>
+          <a:stretch>
+            <a:fillRect/>
+          </a:stretch>
+        </p:blipFill>
+        <p:spPr>
+          <a:xfrm>
+            <a:off x="890961" y="1944144"/>
+            <a:ext cx="2619741" cy="1352739"/>
+          </a:xfrm>
+          <a:prstGeom prst="rect">
+            <a:avLst/>
+          </a:prstGeom>
+        </p:spPr>
+      </p:pic>
+      <p:pic>
+        <p:nvPicPr>
+          <p:cNvPr id="9" name="그림 8"/>
+          <p:cNvPicPr>
+            <a:picLocks noChangeAspect="1"/>
+          </p:cNvPicPr>
+          <p:nvPr/>
+        </p:nvPicPr>
+        <p:blipFill>
+          <a:blip r:embed="rId3">
+            <a:extLst>
+              <a:ext uri="{28A0092B-C50C-407E-A947-70E740481C1C}">
+                <a14:useLocalDpi xmlns:a14="http://schemas.microsoft.com/office/drawing/2010/main" val="0"/>
+              </a:ext>
+            </a:extLst>
+          </a:blip>
+          <a:stretch>
+            <a:fillRect/>
+          </a:stretch>
+        </p:blipFill>
+        <p:spPr>
+          <a:xfrm>
+            <a:off x="5633299" y="1328479"/>
+            <a:ext cx="2590532" cy="3324657"/>
+          </a:xfrm>
+          <a:prstGeom prst="rect">
+            <a:avLst/>
+          </a:prstGeom>
+        </p:spPr>
+      </p:pic>
+    </p:spTree>
+    <p:extLst>
+      <p:ext uri="{BB962C8B-B14F-4D97-AF65-F5344CB8AC3E}">
+        <p14:creationId xmlns:p14="http://schemas.microsoft.com/office/powerpoint/2010/main" val="1356233672"/>
+      </p:ext>
+    </p:extLst>
+  </p:cSld>
+  <p:clrMapOvr>
+    <a:masterClrMapping/>
+  </p:clrMapOvr>
+</p:sld>
+</file>
+
+<file path=ppt/slides/slide9.xml><?xml version="1.0" encoding="utf-8"?>
+<p:sld xmlns:a="http://schemas.openxmlformats.org/drawingml/2006/main" xmlns:r="http://schemas.openxmlformats.org/officeDocument/2006/relationships" xmlns:p="http://schemas.openxmlformats.org/presentationml/2006/main">
+  <p:cSld>
+    <p:spTree>
+      <p:nvGrpSpPr>
+        <p:cNvPr id="1" name=""/>
+        <p:cNvGrpSpPr/>
+        <p:nvPr/>
+      </p:nvGrpSpPr>
+      <p:grpSpPr>
+        <a:xfrm>
+          <a:off x="0" y="0"/>
+          <a:ext cx="0" cy="0"/>
+          <a:chOff x="0" y="0"/>
+          <a:chExt cx="0" cy="0"/>
+        </a:xfrm>
+      </p:grpSpPr>
+      <p:sp>
+        <p:nvSpPr>
+          <p:cNvPr id="4" name="직사각형 3"/>
+          <p:cNvSpPr/>
+          <p:nvPr/>
+        </p:nvSpPr>
+        <p:spPr>
+          <a:xfrm>
+            <a:off x="35496" y="44624"/>
+            <a:ext cx="3312368" cy="504056"/>
+          </a:xfrm>
+          <a:prstGeom prst="rect">
+            <a:avLst/>
+          </a:prstGeom>
+          <a:noFill/>
+        </p:spPr>
+        <p:style>
+          <a:lnRef idx="2">
+            <a:schemeClr val="accent1">
+              <a:shade val="50000"/>
+            </a:schemeClr>
+          </a:lnRef>
+          <a:fillRef idx="1">
+            <a:schemeClr val="accent1"/>
+          </a:fillRef>
+          <a:effectRef idx="0">
+            <a:schemeClr val="accent1"/>
+          </a:effectRef>
+          <a:fontRef idx="minor">
+            <a:schemeClr val="lt1"/>
+          </a:fontRef>
+        </p:style>
+        <p:txBody>
+          <a:bodyPr rtlCol="0" anchor="b"/>
+          <a:lstStyle/>
+          <a:p>
+            <a:pPr algn="ctr">
+              <a:lnSpc>
+                <a:spcPct val="150000"/>
+              </a:lnSpc>
+            </a:pPr>
+            <a:r>
+              <a:rPr lang="ko-KR" altLang="en-US" sz="2000" b="1" dirty="0" smtClean="0">
+                <a:solidFill>
+                  <a:schemeClr val="tx1"/>
+                </a:solidFill>
+              </a:rPr>
+              <a:t>주요 소스 </a:t>
+            </a:r>
+            <a:r>
+              <a:rPr lang="en-US" altLang="ko-KR" sz="2000" b="1" dirty="0" smtClean="0">
+                <a:solidFill>
+                  <a:schemeClr val="tx1"/>
+                </a:solidFill>
+              </a:rPr>
+              <a:t>[Code Review]</a:t>
+            </a:r>
+            <a:endParaRPr lang="ko-KR" altLang="en-US" sz="2000" b="1" dirty="0">
+              <a:solidFill>
+                <a:schemeClr val="tx1"/>
+              </a:solidFill>
+            </a:endParaRPr>
+          </a:p>
+        </p:txBody>
+      </p:sp>
+      <p:sp>
+        <p:nvSpPr>
+          <p:cNvPr id="5" name="직사각형 4"/>
+          <p:cNvSpPr/>
+          <p:nvPr/>
+        </p:nvSpPr>
+        <p:spPr>
+          <a:xfrm>
+            <a:off x="35496" y="620688"/>
+            <a:ext cx="3312368" cy="432048"/>
+          </a:xfrm>
+          <a:prstGeom prst="rect">
+            <a:avLst/>
+          </a:prstGeom>
+          <a:noFill/>
+        </p:spPr>
+        <p:style>
+          <a:lnRef idx="2">
+            <a:schemeClr val="accent1">
+              <a:shade val="50000"/>
+            </a:schemeClr>
+          </a:lnRef>
+          <a:fillRef idx="1">
+            <a:schemeClr val="accent1"/>
+          </a:fillRef>
+          <a:effectRef idx="0">
+            <a:schemeClr val="accent1"/>
+          </a:effectRef>
+          <a:fontRef idx="minor">
+            <a:schemeClr val="lt1"/>
+          </a:fontRef>
+        </p:style>
+        <p:txBody>
+          <a:bodyPr rtlCol="0" anchor="b"/>
+          <a:lstStyle/>
+          <a:p>
+            <a:pPr algn="ctr">
+              <a:lnSpc>
+                <a:spcPct val="150000"/>
+              </a:lnSpc>
+            </a:pPr>
+            <a:r>
+              <a:rPr lang="en-US" altLang="ko-KR" sz="2000" b="1" dirty="0" smtClean="0">
+                <a:solidFill>
+                  <a:schemeClr val="tx1"/>
+                </a:solidFill>
+              </a:rPr>
+              <a:t>UserDAO.java</a:t>
+            </a:r>
+            <a:endParaRPr lang="ko-KR" altLang="en-US" sz="2000" b="1" dirty="0">
+              <a:solidFill>
+                <a:schemeClr val="tx1"/>
+              </a:solidFill>
+            </a:endParaRPr>
+          </a:p>
+        </p:txBody>
+      </p:sp>
+      <p:cxnSp>
+        <p:nvCxnSpPr>
+          <p:cNvPr id="7" name="직선 연결선 6"/>
+          <p:cNvCxnSpPr/>
+          <p:nvPr/>
+        </p:nvCxnSpPr>
+        <p:spPr>
+          <a:xfrm>
+            <a:off x="3491880" y="1052736"/>
+            <a:ext cx="5544616" cy="0"/>
+          </a:xfrm>
+          <a:prstGeom prst="line">
+            <a:avLst/>
+          </a:prstGeom>
+          <a:ln w="28575"/>
+        </p:spPr>
+        <p:style>
+          <a:lnRef idx="1">
+            <a:schemeClr val="accent1"/>
+          </a:lnRef>
+          <a:fillRef idx="0">
+            <a:schemeClr val="accent1"/>
+          </a:fillRef>
+          <a:effectRef idx="0">
+            <a:schemeClr val="accent1"/>
+          </a:effectRef>
+          <a:fontRef idx="minor">
+            <a:schemeClr val="tx1"/>
+          </a:fontRef>
+        </p:style>
+      </p:cxnSp>
+      <p:cxnSp>
+        <p:nvCxnSpPr>
+          <p:cNvPr id="11" name="직선 연결선 10"/>
+          <p:cNvCxnSpPr/>
+          <p:nvPr/>
+        </p:nvCxnSpPr>
+        <p:spPr>
+          <a:xfrm>
+            <a:off x="35496" y="1205136"/>
+            <a:ext cx="9001000" cy="0"/>
+          </a:xfrm>
+          <a:prstGeom prst="line">
+            <a:avLst/>
+          </a:prstGeom>
+          <a:ln w="28575"/>
+        </p:spPr>
+        <p:style>
+          <a:lnRef idx="1">
+            <a:schemeClr val="accent1"/>
+          </a:lnRef>
+          <a:fillRef idx="0">
+            <a:schemeClr val="accent1"/>
+          </a:fillRef>
+          <a:effectRef idx="0">
+            <a:schemeClr val="accent1"/>
+          </a:effectRef>
+          <a:fontRef idx="minor">
+            <a:schemeClr val="tx1"/>
+          </a:fontRef>
+        </p:style>
+      </p:cxnSp>
+      <p:cxnSp>
+        <p:nvCxnSpPr>
+          <p:cNvPr id="14" name="직선 연결선 13"/>
+          <p:cNvCxnSpPr/>
+          <p:nvPr/>
+        </p:nvCxnSpPr>
+        <p:spPr>
+          <a:xfrm>
+            <a:off x="35496" y="6741368"/>
+            <a:ext cx="9001000" cy="0"/>
+          </a:xfrm>
+          <a:prstGeom prst="line">
+            <a:avLst/>
+          </a:prstGeom>
+          <a:ln w="28575"/>
+        </p:spPr>
+        <p:style>
+          <a:lnRef idx="1">
+            <a:schemeClr val="accent1"/>
+          </a:lnRef>
+          <a:fillRef idx="0">
+            <a:schemeClr val="accent1"/>
+          </a:fillRef>
+          <a:effectRef idx="0">
+            <a:schemeClr val="accent1"/>
+          </a:effectRef>
+          <a:fontRef idx="minor">
+            <a:schemeClr val="tx1"/>
+          </a:fontRef>
+        </p:style>
+      </p:cxnSp>
+      <p:cxnSp>
+        <p:nvCxnSpPr>
+          <p:cNvPr id="15" name="직선 연결선 14"/>
+          <p:cNvCxnSpPr/>
+          <p:nvPr/>
+        </p:nvCxnSpPr>
+        <p:spPr>
+          <a:xfrm>
+            <a:off x="35496" y="1196752"/>
+            <a:ext cx="0" cy="5544616"/>
+          </a:xfrm>
+          <a:prstGeom prst="line">
+            <a:avLst/>
+          </a:prstGeom>
+          <a:ln w="28575"/>
+        </p:spPr>
+        <p:style>
+          <a:lnRef idx="1">
+            <a:schemeClr val="accent1"/>
+          </a:lnRef>
+          <a:fillRef idx="0">
+            <a:schemeClr val="accent1"/>
+          </a:fillRef>
+          <a:effectRef idx="0">
+            <a:schemeClr val="accent1"/>
+          </a:effectRef>
+          <a:fontRef idx="minor">
+            <a:schemeClr val="tx1"/>
+          </a:fontRef>
+        </p:style>
+      </p:cxnSp>
+      <p:cxnSp>
+        <p:nvCxnSpPr>
+          <p:cNvPr id="19" name="직선 연결선 18"/>
+          <p:cNvCxnSpPr/>
+          <p:nvPr/>
+        </p:nvCxnSpPr>
+        <p:spPr>
+          <a:xfrm>
+            <a:off x="9036496" y="1205136"/>
+            <a:ext cx="0" cy="5544616"/>
+          </a:xfrm>
+          <a:prstGeom prst="line">
+            <a:avLst/>
+          </a:prstGeom>
+          <a:ln w="28575"/>
+        </p:spPr>
+        <p:style>
+          <a:lnRef idx="1">
+            <a:schemeClr val="accent1"/>
+          </a:lnRef>
+          <a:fillRef idx="0">
+            <a:schemeClr val="accent1"/>
+          </a:fillRef>
+          <a:effectRef idx="0">
+            <a:schemeClr val="accent1"/>
+          </a:effectRef>
+          <a:fontRef idx="minor">
+            <a:schemeClr val="tx1"/>
+          </a:fontRef>
+        </p:style>
+      </p:cxnSp>
+      <p:cxnSp>
+        <p:nvCxnSpPr>
+          <p:cNvPr id="20" name="직선 연결선 19"/>
+          <p:cNvCxnSpPr/>
+          <p:nvPr/>
+        </p:nvCxnSpPr>
+        <p:spPr>
+          <a:xfrm>
+            <a:off x="4572000" y="1205136"/>
+            <a:ext cx="0" cy="5544616"/>
+          </a:xfrm>
+          <a:prstGeom prst="line">
+            <a:avLst/>
+          </a:prstGeom>
+          <a:ln w="28575"/>
+        </p:spPr>
+        <p:style>
+          <a:lnRef idx="1">
+            <a:schemeClr val="accent1"/>
+          </a:lnRef>
+          <a:fillRef idx="0">
+            <a:schemeClr val="accent1"/>
+          </a:fillRef>
+          <a:effectRef idx="0">
+            <a:schemeClr val="accent1"/>
+          </a:effectRef>
+          <a:fontRef idx="minor">
+            <a:schemeClr val="tx1"/>
+          </a:fontRef>
+        </p:style>
+      </p:cxnSp>
+      <p:cxnSp>
+        <p:nvCxnSpPr>
+          <p:cNvPr id="21" name="직선 연결선 20"/>
+          <p:cNvCxnSpPr/>
+          <p:nvPr/>
+        </p:nvCxnSpPr>
+        <p:spPr>
+          <a:xfrm>
+            <a:off x="9036496" y="4869160"/>
+            <a:ext cx="0" cy="0"/>
+          </a:xfrm>
+          <a:prstGeom prst="line">
+            <a:avLst/>
+          </a:prstGeom>
+          <a:ln w="28575"/>
+        </p:spPr>
+        <p:style>
+          <a:lnRef idx="1">
+            <a:schemeClr val="accent1"/>
+          </a:lnRef>
+          <a:fillRef idx="0">
+            <a:schemeClr val="accent1"/>
+          </a:fillRef>
+          <a:effectRef idx="0">
+            <a:schemeClr val="accent1"/>
+          </a:effectRef>
+          <a:fontRef idx="minor">
+            <a:schemeClr val="tx1"/>
+          </a:fontRef>
+        </p:style>
+      </p:cxnSp>
+      <p:cxnSp>
+        <p:nvCxnSpPr>
+          <p:cNvPr id="28" name="직선 연결선 27"/>
+          <p:cNvCxnSpPr/>
+          <p:nvPr/>
+        </p:nvCxnSpPr>
+        <p:spPr>
+          <a:xfrm>
+            <a:off x="4572000" y="4725144"/>
+            <a:ext cx="4464496" cy="0"/>
+          </a:xfrm>
+          <a:prstGeom prst="line">
+            <a:avLst/>
+          </a:prstGeom>
+          <a:ln w="28575"/>
+        </p:spPr>
+        <p:style>
+          <a:lnRef idx="1">
+            <a:schemeClr val="accent1"/>
+          </a:lnRef>
+          <a:fillRef idx="0">
+            <a:schemeClr val="accent1"/>
+          </a:fillRef>
+          <a:effectRef idx="0">
+            <a:schemeClr val="accent1"/>
+          </a:effectRef>
+          <a:fontRef idx="minor">
+            <a:schemeClr val="tx1"/>
+          </a:fontRef>
+        </p:style>
+      </p:cxnSp>
+      <p:sp>
+        <p:nvSpPr>
+          <p:cNvPr id="32" name="TextBox 31"/>
+          <p:cNvSpPr txBox="1"/>
+          <p:nvPr/>
+        </p:nvSpPr>
+        <p:spPr>
+          <a:xfrm>
+            <a:off x="4626704" y="4797152"/>
+            <a:ext cx="4075155" cy="923330"/>
+          </a:xfrm>
+          <a:prstGeom prst="rect">
+            <a:avLst/>
+          </a:prstGeom>
+          <a:noFill/>
+        </p:spPr>
+        <p:txBody>
+          <a:bodyPr wrap="none" rtlCol="0">
+            <a:spAutoFit/>
+          </a:bodyPr>
+          <a:lstStyle/>
+          <a:p>
+            <a:r>
+              <a:rPr lang="en-US" altLang="ko-KR" dirty="0" smtClean="0"/>
+              <a:t>CRUD</a:t>
+            </a:r>
+            <a:r>
+              <a:rPr lang="ko-KR" altLang="en-US" dirty="0" smtClean="0"/>
+              <a:t>기능의 </a:t>
+            </a:r>
+            <a:r>
+              <a:rPr lang="ko-KR" altLang="en-US" dirty="0" err="1" smtClean="0"/>
+              <a:t>메소드</a:t>
+            </a:r>
+            <a:r>
+              <a:rPr lang="ko-KR" altLang="en-US" dirty="0" smtClean="0"/>
+              <a:t> 구현하여 실행</a:t>
+            </a:r>
+            <a:endParaRPr lang="en-US" altLang="ko-KR" dirty="0" smtClean="0"/>
+          </a:p>
+          <a:p>
+            <a:r>
+              <a:rPr lang="ko-KR" altLang="en-US" dirty="0" smtClean="0"/>
+              <a:t>하려는데 </a:t>
+            </a:r>
+            <a:r>
+              <a:rPr lang="en-US" altLang="ko-KR" dirty="0" smtClean="0"/>
+              <a:t>SQL</a:t>
+            </a:r>
+            <a:r>
+              <a:rPr lang="ko-KR" altLang="en-US" dirty="0" smtClean="0"/>
+              <a:t>문에 대입하여 해당하는</a:t>
+            </a:r>
+            <a:endParaRPr lang="en-US" altLang="ko-KR" dirty="0" smtClean="0"/>
+          </a:p>
+          <a:p>
+            <a:r>
+              <a:rPr lang="ko-KR" altLang="en-US" dirty="0" smtClean="0"/>
+              <a:t>기능을 구현하도록 유도함</a:t>
+            </a:r>
+            <a:endParaRPr lang="en-US" altLang="ko-KR" dirty="0" smtClean="0"/>
+          </a:p>
+        </p:txBody>
+      </p:sp>
+      <p:sp>
+        <p:nvSpPr>
+          <p:cNvPr id="18" name="직사각형 17"/>
+          <p:cNvSpPr/>
+          <p:nvPr/>
+        </p:nvSpPr>
+        <p:spPr>
+          <a:xfrm>
+            <a:off x="3563888" y="44624"/>
+            <a:ext cx="2808312" cy="504056"/>
+          </a:xfrm>
+          <a:prstGeom prst="rect">
+            <a:avLst/>
+          </a:prstGeom>
+          <a:noFill/>
+        </p:spPr>
+        <p:style>
+          <a:lnRef idx="2">
+            <a:schemeClr val="accent1">
+              <a:shade val="50000"/>
+            </a:schemeClr>
+          </a:lnRef>
+          <a:fillRef idx="1">
+            <a:schemeClr val="accent1"/>
+          </a:fillRef>
+          <a:effectRef idx="0">
+            <a:schemeClr val="accent1"/>
+          </a:effectRef>
+          <a:fontRef idx="minor">
+            <a:schemeClr val="lt1"/>
+          </a:fontRef>
+        </p:style>
+        <p:txBody>
+          <a:bodyPr rtlCol="0" anchor="ctr"/>
+          <a:lstStyle/>
+          <a:p>
+            <a:pPr algn="ctr">
+              <a:lnSpc>
+                <a:spcPct val="150000"/>
+              </a:lnSpc>
+            </a:pPr>
+            <a:r>
+              <a:rPr lang="en-US" altLang="ko-KR" sz="2000" b="1" dirty="0" err="1">
+                <a:solidFill>
+                  <a:schemeClr val="tx1"/>
+                </a:solidFill>
+              </a:rPr>
+              <a:t>Sql</a:t>
+            </a:r>
+            <a:r>
+              <a:rPr lang="en-US" altLang="ko-KR" sz="2000" b="1" dirty="0">
+                <a:solidFill>
+                  <a:schemeClr val="tx1"/>
+                </a:solidFill>
+              </a:rPr>
+              <a:t>, xml</a:t>
+            </a:r>
+          </a:p>
+        </p:txBody>
+      </p:sp>
+      <p:pic>
+        <p:nvPicPr>
+          <p:cNvPr id="6" name="그림 5"/>
+          <p:cNvPicPr>
+            <a:picLocks noChangeAspect="1"/>
+          </p:cNvPicPr>
+          <p:nvPr/>
+        </p:nvPicPr>
+        <p:blipFill>
+          <a:blip r:embed="rId2">
+            <a:extLst>
+              <a:ext uri="{28A0092B-C50C-407E-A947-70E740481C1C}">
+                <a14:useLocalDpi xmlns:a14="http://schemas.microsoft.com/office/drawing/2010/main" val="0"/>
+              </a:ext>
+            </a:extLst>
+          </a:blip>
+          <a:stretch>
+            <a:fillRect/>
+          </a:stretch>
+        </p:blipFill>
+        <p:spPr>
+          <a:xfrm>
+            <a:off x="279125" y="1729230"/>
+            <a:ext cx="4086795" cy="2286319"/>
+          </a:xfrm>
+          <a:prstGeom prst="rect">
+            <a:avLst/>
+          </a:prstGeom>
+        </p:spPr>
+      </p:pic>
+      <p:pic>
+        <p:nvPicPr>
+          <p:cNvPr id="8" name="그림 7"/>
+          <p:cNvPicPr>
+            <a:picLocks noChangeAspect="1"/>
+          </p:cNvPicPr>
+          <p:nvPr/>
+        </p:nvPicPr>
+        <p:blipFill>
+          <a:blip r:embed="rId3">
+            <a:extLst>
+              <a:ext uri="{28A0092B-C50C-407E-A947-70E740481C1C}">
+                <a14:useLocalDpi xmlns:a14="http://schemas.microsoft.com/office/drawing/2010/main" val="0"/>
+              </a:ext>
+            </a:extLst>
+          </a:blip>
+          <a:stretch>
+            <a:fillRect/>
+          </a:stretch>
+        </p:blipFill>
+        <p:spPr>
+          <a:xfrm>
+            <a:off x="115585" y="4415369"/>
+            <a:ext cx="4384407" cy="704948"/>
+          </a:xfrm>
+          <a:prstGeom prst="rect">
+            <a:avLst/>
+          </a:prstGeom>
+        </p:spPr>
+      </p:pic>
+      <p:pic>
+        <p:nvPicPr>
+          <p:cNvPr id="9" name="그림 8"/>
+          <p:cNvPicPr>
+            <a:picLocks noChangeAspect="1"/>
+          </p:cNvPicPr>
+          <p:nvPr/>
+        </p:nvPicPr>
+        <p:blipFill>
+          <a:blip r:embed="rId4">
+            <a:extLst>
+              <a:ext uri="{28A0092B-C50C-407E-A947-70E740481C1C}">
+                <a14:useLocalDpi xmlns:a14="http://schemas.microsoft.com/office/drawing/2010/main" val="0"/>
+              </a:ext>
+            </a:extLst>
+          </a:blip>
+          <a:stretch>
+            <a:fillRect/>
+          </a:stretch>
+        </p:blipFill>
+        <p:spPr>
+          <a:xfrm>
+            <a:off x="5652120" y="1242012"/>
+            <a:ext cx="2417207" cy="3411124"/>
+          </a:xfrm>
+          <a:prstGeom prst="rect">
+            <a:avLst/>
+          </a:prstGeom>
+        </p:spPr>
+      </p:pic>
+    </p:spTree>
+    <p:extLst>
+      <p:ext uri="{BB962C8B-B14F-4D97-AF65-F5344CB8AC3E}">
+        <p14:creationId xmlns:p14="http://schemas.microsoft.com/office/powerpoint/2010/main" val="3350850760"/>
       </p:ext>
     </p:extLst>
   </p:cSld>
